--- a/Documentation/HardwareDR/ServerAndCommsV2.pptx
+++ b/Documentation/HardwareDR/ServerAndCommsV2.pptx
@@ -5,9 +5,10 @@
     <p:sldMasterId id="2147483648" r:id="rId1"/>
   </p:sldMasterIdLst>
   <p:sldIdLst>
-    <p:sldId id="286" r:id="rId2"/>
-    <p:sldId id="287" r:id="rId3"/>
-    <p:sldId id="288" r:id="rId4"/>
+    <p:sldId id="289" r:id="rId2"/>
+    <p:sldId id="286" r:id="rId3"/>
+    <p:sldId id="287" r:id="rId4"/>
+    <p:sldId id="288" r:id="rId5"/>
   </p:sldIdLst>
   <p:sldSz cx="12192000" cy="6858000"/>
   <p:notesSz cx="6858000" cy="9144000"/>
@@ -106,6 +107,11 @@
       </a:defRPr>
     </a:lvl9pPr>
   </p:defaultTextStyle>
+  <p:extLst>
+    <p:ext uri="{EFAFB233-063F-42B5-8137-9DF3F51BA10A}">
+      <p15:sldGuideLst xmlns:p15="http://schemas.microsoft.com/office/powerpoint/2012/main"/>
+    </p:ext>
+  </p:extLst>
 </p:presentation>
 </file>
 
@@ -258,7 +264,7 @@
           <a:p>
             <a:fld id="{507C1A4B-A2B4-489A-80F7-993AC46C8FDB}" type="datetimeFigureOut">
               <a:rPr lang="en-ZA" smtClean="0"/>
-              <a:t>2018/11/21</a:t>
+              <a:t>2018/11/27</a:t>
             </a:fld>
             <a:endParaRPr lang="en-ZA"/>
           </a:p>
@@ -458,7 +464,7 @@
           <a:p>
             <a:fld id="{507C1A4B-A2B4-489A-80F7-993AC46C8FDB}" type="datetimeFigureOut">
               <a:rPr lang="en-ZA" smtClean="0"/>
-              <a:t>2018/11/21</a:t>
+              <a:t>2018/11/27</a:t>
             </a:fld>
             <a:endParaRPr lang="en-ZA"/>
           </a:p>
@@ -668,7 +674,7 @@
           <a:p>
             <a:fld id="{507C1A4B-A2B4-489A-80F7-993AC46C8FDB}" type="datetimeFigureOut">
               <a:rPr lang="en-ZA" smtClean="0"/>
-              <a:t>2018/11/21</a:t>
+              <a:t>2018/11/27</a:t>
             </a:fld>
             <a:endParaRPr lang="en-ZA"/>
           </a:p>
@@ -868,7 +874,7 @@
           <a:p>
             <a:fld id="{507C1A4B-A2B4-489A-80F7-993AC46C8FDB}" type="datetimeFigureOut">
               <a:rPr lang="en-ZA" smtClean="0"/>
-              <a:t>2018/11/21</a:t>
+              <a:t>2018/11/27</a:t>
             </a:fld>
             <a:endParaRPr lang="en-ZA"/>
           </a:p>
@@ -1144,7 +1150,7 @@
           <a:p>
             <a:fld id="{507C1A4B-A2B4-489A-80F7-993AC46C8FDB}" type="datetimeFigureOut">
               <a:rPr lang="en-ZA" smtClean="0"/>
-              <a:t>2018/11/21</a:t>
+              <a:t>2018/11/27</a:t>
             </a:fld>
             <a:endParaRPr lang="en-ZA"/>
           </a:p>
@@ -1412,7 +1418,7 @@
           <a:p>
             <a:fld id="{507C1A4B-A2B4-489A-80F7-993AC46C8FDB}" type="datetimeFigureOut">
               <a:rPr lang="en-ZA" smtClean="0"/>
-              <a:t>2018/11/21</a:t>
+              <a:t>2018/11/27</a:t>
             </a:fld>
             <a:endParaRPr lang="en-ZA"/>
           </a:p>
@@ -1827,7 +1833,7 @@
           <a:p>
             <a:fld id="{507C1A4B-A2B4-489A-80F7-993AC46C8FDB}" type="datetimeFigureOut">
               <a:rPr lang="en-ZA" smtClean="0"/>
-              <a:t>2018/11/21</a:t>
+              <a:t>2018/11/27</a:t>
             </a:fld>
             <a:endParaRPr lang="en-ZA"/>
           </a:p>
@@ -1969,7 +1975,7 @@
           <a:p>
             <a:fld id="{507C1A4B-A2B4-489A-80F7-993AC46C8FDB}" type="datetimeFigureOut">
               <a:rPr lang="en-ZA" smtClean="0"/>
-              <a:t>2018/11/21</a:t>
+              <a:t>2018/11/27</a:t>
             </a:fld>
             <a:endParaRPr lang="en-ZA"/>
           </a:p>
@@ -2082,7 +2088,7 @@
           <a:p>
             <a:fld id="{507C1A4B-A2B4-489A-80F7-993AC46C8FDB}" type="datetimeFigureOut">
               <a:rPr lang="en-ZA" smtClean="0"/>
-              <a:t>2018/11/21</a:t>
+              <a:t>2018/11/27</a:t>
             </a:fld>
             <a:endParaRPr lang="en-ZA"/>
           </a:p>
@@ -2395,7 +2401,7 @@
           <a:p>
             <a:fld id="{507C1A4B-A2B4-489A-80F7-993AC46C8FDB}" type="datetimeFigureOut">
               <a:rPr lang="en-ZA" smtClean="0"/>
-              <a:t>2018/11/21</a:t>
+              <a:t>2018/11/27</a:t>
             </a:fld>
             <a:endParaRPr lang="en-ZA"/>
           </a:p>
@@ -2684,7 +2690,7 @@
           <a:p>
             <a:fld id="{507C1A4B-A2B4-489A-80F7-993AC46C8FDB}" type="datetimeFigureOut">
               <a:rPr lang="en-ZA" smtClean="0"/>
-              <a:t>2018/11/21</a:t>
+              <a:t>2018/11/27</a:t>
             </a:fld>
             <a:endParaRPr lang="en-ZA"/>
           </a:p>
@@ -2927,7 +2933,7 @@
           <a:p>
             <a:fld id="{507C1A4B-A2B4-489A-80F7-993AC46C8FDB}" type="datetimeFigureOut">
               <a:rPr lang="en-ZA" smtClean="0"/>
-              <a:t>2018/11/21</a:t>
+              <a:t>2018/11/27</a:t>
             </a:fld>
             <a:endParaRPr lang="en-ZA"/>
           </a:p>
@@ -3344,6 +3350,1713 @@
           <a:chExt cx="0" cy="0"/>
         </a:xfrm>
       </p:grpSpPr>
+      <p:sp>
+        <p:nvSpPr>
+          <p:cNvPr id="32" name="Rectangle 31">
+            <a:extLst>
+              <a:ext uri="{FF2B5EF4-FFF2-40B4-BE49-F238E27FC236}">
+                <a16:creationId xmlns:a16="http://schemas.microsoft.com/office/drawing/2014/main" id="{FC30BA83-7AB5-4998-A2B6-6604BD6710B8}"/>
+              </a:ext>
+            </a:extLst>
+          </p:cNvPr>
+          <p:cNvSpPr/>
+          <p:nvPr/>
+        </p:nvSpPr>
+        <p:spPr>
+          <a:xfrm>
+            <a:off x="0" y="36677"/>
+            <a:ext cx="12192000" cy="461665"/>
+          </a:xfrm>
+          <a:prstGeom prst="rect">
+            <a:avLst/>
+          </a:prstGeom>
+        </p:spPr>
+        <p:txBody>
+          <a:bodyPr wrap="square">
+            <a:spAutoFit/>
+          </a:bodyPr>
+          <a:lstStyle/>
+          <a:p>
+            <a:pPr marL="0" marR="0" lvl="0" indent="0" algn="ctr" defTabSz="914400" rtl="0" eaLnBrk="1" fontAlgn="auto" latinLnBrk="0" hangingPunct="1">
+              <a:lnSpc>
+                <a:spcPct val="100000"/>
+              </a:lnSpc>
+              <a:spcBef>
+                <a:spcPts val="0"/>
+              </a:spcBef>
+              <a:spcAft>
+                <a:spcPts val="0"/>
+              </a:spcAft>
+              <a:buClrTx/>
+              <a:buSzTx/>
+              <a:buFontTx/>
+              <a:buNone/>
+              <a:tabLst/>
+              <a:defRPr/>
+            </a:pPr>
+            <a:r>
+              <a:rPr kumimoji="0" lang="en-ZA" sz="2400" b="1" i="0" u="none" strike="noStrike" kern="1200" cap="none" spc="0" normalizeH="0" baseline="0" noProof="0" dirty="0">
+                <a:ln>
+                  <a:noFill/>
+                </a:ln>
+                <a:solidFill>
+                  <a:prstClr val="black"/>
+                </a:solidFill>
+                <a:effectLst/>
+                <a:uLnTx/>
+                <a:uFillTx/>
+                <a:latin typeface="Calibri" panose="020F0502020204030204"/>
+                <a:ea typeface="+mn-ea"/>
+                <a:cs typeface="+mn-cs"/>
+              </a:rPr>
+              <a:t>Engineparts Physical Layout – EP &amp; AAAS</a:t>
+            </a:r>
+            <a:endParaRPr kumimoji="0" lang="en-ZA" sz="2000" b="1" i="0" u="none" strike="noStrike" kern="1200" cap="none" spc="0" normalizeH="0" baseline="0" noProof="0" dirty="0">
+              <a:ln>
+                <a:noFill/>
+              </a:ln>
+              <a:solidFill>
+                <a:prstClr val="black"/>
+              </a:solidFill>
+              <a:effectLst/>
+              <a:uLnTx/>
+              <a:uFillTx/>
+              <a:latin typeface="Calibri" panose="020F0502020204030204"/>
+              <a:ea typeface="+mn-ea"/>
+              <a:cs typeface="+mn-cs"/>
+            </a:endParaRPr>
+          </a:p>
+        </p:txBody>
+      </p:sp>
+      <p:sp>
+        <p:nvSpPr>
+          <p:cNvPr id="2" name="Rectangle: Rounded Corners 1">
+            <a:extLst>
+              <a:ext uri="{FF2B5EF4-FFF2-40B4-BE49-F238E27FC236}">
+                <a16:creationId xmlns:a16="http://schemas.microsoft.com/office/drawing/2014/main" id="{82F55977-39FC-4A05-B9EA-1BF903DB70C6}"/>
+              </a:ext>
+            </a:extLst>
+          </p:cNvPr>
+          <p:cNvSpPr/>
+          <p:nvPr/>
+        </p:nvSpPr>
+        <p:spPr>
+          <a:xfrm>
+            <a:off x="2136710" y="1467852"/>
+            <a:ext cx="3157185" cy="4138863"/>
+          </a:xfrm>
+          <a:prstGeom prst="roundRect">
+            <a:avLst/>
+          </a:prstGeom>
+          <a:noFill/>
+        </p:spPr>
+        <p:style>
+          <a:lnRef idx="2">
+            <a:schemeClr val="accent1">
+              <a:shade val="50000"/>
+            </a:schemeClr>
+          </a:lnRef>
+          <a:fillRef idx="1">
+            <a:schemeClr val="accent1"/>
+          </a:fillRef>
+          <a:effectRef idx="0">
+            <a:schemeClr val="accent1"/>
+          </a:effectRef>
+          <a:fontRef idx="minor">
+            <a:schemeClr val="lt1"/>
+          </a:fontRef>
+        </p:style>
+        <p:txBody>
+          <a:bodyPr rtlCol="0" anchor="ctr"/>
+          <a:lstStyle/>
+          <a:p>
+            <a:pPr algn="ctr"/>
+            <a:endParaRPr lang="en-ZA" dirty="0"/>
+          </a:p>
+        </p:txBody>
+      </p:sp>
+      <p:sp>
+        <p:nvSpPr>
+          <p:cNvPr id="56" name="Rectangle: Rounded Corners 55">
+            <a:extLst>
+              <a:ext uri="{FF2B5EF4-FFF2-40B4-BE49-F238E27FC236}">
+                <a16:creationId xmlns:a16="http://schemas.microsoft.com/office/drawing/2014/main" id="{3F69194A-8A56-4951-9726-2163C4D1524A}"/>
+              </a:ext>
+            </a:extLst>
+          </p:cNvPr>
+          <p:cNvSpPr/>
+          <p:nvPr/>
+        </p:nvSpPr>
+        <p:spPr>
+          <a:xfrm>
+            <a:off x="5839328" y="1467852"/>
+            <a:ext cx="3034083" cy="4138863"/>
+          </a:xfrm>
+          <a:prstGeom prst="roundRect">
+            <a:avLst/>
+          </a:prstGeom>
+          <a:noFill/>
+        </p:spPr>
+        <p:style>
+          <a:lnRef idx="2">
+            <a:schemeClr val="accent1">
+              <a:shade val="50000"/>
+            </a:schemeClr>
+          </a:lnRef>
+          <a:fillRef idx="1">
+            <a:schemeClr val="accent1"/>
+          </a:fillRef>
+          <a:effectRef idx="0">
+            <a:schemeClr val="accent1"/>
+          </a:effectRef>
+          <a:fontRef idx="minor">
+            <a:schemeClr val="lt1"/>
+          </a:fontRef>
+        </p:style>
+        <p:txBody>
+          <a:bodyPr rtlCol="0" anchor="ctr"/>
+          <a:lstStyle/>
+          <a:p>
+            <a:pPr algn="ctr"/>
+            <a:endParaRPr lang="en-ZA"/>
+          </a:p>
+        </p:txBody>
+      </p:sp>
+      <p:sp>
+        <p:nvSpPr>
+          <p:cNvPr id="68" name="Rectangle: Rounded Corners 67">
+            <a:extLst>
+              <a:ext uri="{FF2B5EF4-FFF2-40B4-BE49-F238E27FC236}">
+                <a16:creationId xmlns:a16="http://schemas.microsoft.com/office/drawing/2014/main" id="{68827FD7-BDFE-4DEC-8F16-253956B96499}"/>
+              </a:ext>
+            </a:extLst>
+          </p:cNvPr>
+          <p:cNvSpPr/>
+          <p:nvPr/>
+        </p:nvSpPr>
+        <p:spPr>
+          <a:xfrm>
+            <a:off x="5462338" y="1467853"/>
+            <a:ext cx="208548" cy="4138863"/>
+          </a:xfrm>
+          <a:prstGeom prst="roundRect">
+            <a:avLst/>
+          </a:prstGeom>
+          <a:noFill/>
+        </p:spPr>
+        <p:style>
+          <a:lnRef idx="2">
+            <a:schemeClr val="accent1">
+              <a:shade val="50000"/>
+            </a:schemeClr>
+          </a:lnRef>
+          <a:fillRef idx="1">
+            <a:schemeClr val="accent1"/>
+          </a:fillRef>
+          <a:effectRef idx="0">
+            <a:schemeClr val="accent1"/>
+          </a:effectRef>
+          <a:fontRef idx="minor">
+            <a:schemeClr val="lt1"/>
+          </a:fontRef>
+        </p:style>
+        <p:txBody>
+          <a:bodyPr rtlCol="0" anchor="ctr"/>
+          <a:lstStyle/>
+          <a:p>
+            <a:pPr algn="ctr"/>
+            <a:endParaRPr lang="en-ZA"/>
+          </a:p>
+        </p:txBody>
+      </p:sp>
+      <p:sp>
+        <p:nvSpPr>
+          <p:cNvPr id="70" name="Rectangle: Rounded Corners 69">
+            <a:extLst>
+              <a:ext uri="{FF2B5EF4-FFF2-40B4-BE49-F238E27FC236}">
+                <a16:creationId xmlns:a16="http://schemas.microsoft.com/office/drawing/2014/main" id="{0112D39D-10CC-463E-800B-41D5832E960B}"/>
+              </a:ext>
+            </a:extLst>
+          </p:cNvPr>
+          <p:cNvSpPr/>
+          <p:nvPr/>
+        </p:nvSpPr>
+        <p:spPr>
+          <a:xfrm>
+            <a:off x="8166090" y="3657601"/>
+            <a:ext cx="557054" cy="673931"/>
+          </a:xfrm>
+          <a:prstGeom prst="roundRect">
+            <a:avLst/>
+          </a:prstGeom>
+          <a:noFill/>
+        </p:spPr>
+        <p:style>
+          <a:lnRef idx="2">
+            <a:schemeClr val="accent1">
+              <a:shade val="50000"/>
+            </a:schemeClr>
+          </a:lnRef>
+          <a:fillRef idx="1">
+            <a:schemeClr val="accent1"/>
+          </a:fillRef>
+          <a:effectRef idx="0">
+            <a:schemeClr val="accent1"/>
+          </a:effectRef>
+          <a:fontRef idx="minor">
+            <a:schemeClr val="lt1"/>
+          </a:fontRef>
+        </p:style>
+        <p:txBody>
+          <a:bodyPr rtlCol="0" anchor="ctr"/>
+          <a:lstStyle/>
+          <a:p>
+            <a:pPr algn="ctr"/>
+            <a:endParaRPr lang="en-ZA" dirty="0"/>
+          </a:p>
+        </p:txBody>
+      </p:sp>
+      <p:sp>
+        <p:nvSpPr>
+          <p:cNvPr id="71" name="Rectangle: Rounded Corners 70">
+            <a:extLst>
+              <a:ext uri="{FF2B5EF4-FFF2-40B4-BE49-F238E27FC236}">
+                <a16:creationId xmlns:a16="http://schemas.microsoft.com/office/drawing/2014/main" id="{287C6837-B5CE-4F73-BB0D-30840ED46143}"/>
+              </a:ext>
+            </a:extLst>
+          </p:cNvPr>
+          <p:cNvSpPr/>
+          <p:nvPr/>
+        </p:nvSpPr>
+        <p:spPr>
+          <a:xfrm>
+            <a:off x="2318906" y="2401078"/>
+            <a:ext cx="557054" cy="780661"/>
+          </a:xfrm>
+          <a:prstGeom prst="roundRect">
+            <a:avLst/>
+          </a:prstGeom>
+          <a:noFill/>
+        </p:spPr>
+        <p:style>
+          <a:lnRef idx="2">
+            <a:schemeClr val="accent1">
+              <a:shade val="50000"/>
+            </a:schemeClr>
+          </a:lnRef>
+          <a:fillRef idx="1">
+            <a:schemeClr val="accent1"/>
+          </a:fillRef>
+          <a:effectRef idx="0">
+            <a:schemeClr val="accent1"/>
+          </a:effectRef>
+          <a:fontRef idx="minor">
+            <a:schemeClr val="lt1"/>
+          </a:fontRef>
+        </p:style>
+        <p:txBody>
+          <a:bodyPr rtlCol="0" anchor="ctr"/>
+          <a:lstStyle/>
+          <a:p>
+            <a:pPr algn="ctr"/>
+            <a:endParaRPr lang="en-ZA" dirty="0"/>
+          </a:p>
+        </p:txBody>
+      </p:sp>
+      <p:sp>
+        <p:nvSpPr>
+          <p:cNvPr id="73" name="Rectangle: Rounded Corners 72">
+            <a:extLst>
+              <a:ext uri="{FF2B5EF4-FFF2-40B4-BE49-F238E27FC236}">
+                <a16:creationId xmlns:a16="http://schemas.microsoft.com/office/drawing/2014/main" id="{2EDD3DC8-3746-41A1-9F16-AEF96FB383A8}"/>
+              </a:ext>
+            </a:extLst>
+          </p:cNvPr>
+          <p:cNvSpPr/>
+          <p:nvPr/>
+        </p:nvSpPr>
+        <p:spPr>
+          <a:xfrm>
+            <a:off x="6001052" y="1771835"/>
+            <a:ext cx="371755" cy="3618313"/>
+          </a:xfrm>
+          <a:prstGeom prst="roundRect">
+            <a:avLst/>
+          </a:prstGeom>
+          <a:noFill/>
+        </p:spPr>
+        <p:style>
+          <a:lnRef idx="2">
+            <a:schemeClr val="accent1">
+              <a:shade val="50000"/>
+            </a:schemeClr>
+          </a:lnRef>
+          <a:fillRef idx="1">
+            <a:schemeClr val="accent1"/>
+          </a:fillRef>
+          <a:effectRef idx="0">
+            <a:schemeClr val="accent1"/>
+          </a:effectRef>
+          <a:fontRef idx="minor">
+            <a:schemeClr val="lt1"/>
+          </a:fontRef>
+        </p:style>
+        <p:txBody>
+          <a:bodyPr rtlCol="0" anchor="ctr"/>
+          <a:lstStyle/>
+          <a:p>
+            <a:pPr algn="ctr"/>
+            <a:endParaRPr lang="en-ZA"/>
+          </a:p>
+        </p:txBody>
+      </p:sp>
+      <p:sp>
+        <p:nvSpPr>
+          <p:cNvPr id="78" name="Speech Bubble: Rectangle with Corners Rounded 77">
+            <a:extLst>
+              <a:ext uri="{FF2B5EF4-FFF2-40B4-BE49-F238E27FC236}">
+                <a16:creationId xmlns:a16="http://schemas.microsoft.com/office/drawing/2014/main" id="{D3ACD20C-6C7D-4EA5-910D-D82214C15946}"/>
+              </a:ext>
+            </a:extLst>
+          </p:cNvPr>
+          <p:cNvSpPr/>
+          <p:nvPr/>
+        </p:nvSpPr>
+        <p:spPr>
+          <a:xfrm>
+            <a:off x="5359207" y="832066"/>
+            <a:ext cx="2301225" cy="391119"/>
+          </a:xfrm>
+          <a:prstGeom prst="wedgeRoundRectCallout">
+            <a:avLst>
+              <a:gd name="adj1" fmla="val -41438"/>
+              <a:gd name="adj2" fmla="val 126292"/>
+              <a:gd name="adj3" fmla="val 16667"/>
+            </a:avLst>
+          </a:prstGeom>
+          <a:solidFill>
+            <a:schemeClr val="accent4">
+              <a:lumMod val="40000"/>
+              <a:lumOff val="60000"/>
+            </a:schemeClr>
+          </a:solidFill>
+        </p:spPr>
+        <p:style>
+          <a:lnRef idx="2">
+            <a:schemeClr val="accent1">
+              <a:shade val="50000"/>
+            </a:schemeClr>
+          </a:lnRef>
+          <a:fillRef idx="1">
+            <a:schemeClr val="accent1"/>
+          </a:fillRef>
+          <a:effectRef idx="0">
+            <a:schemeClr val="accent1"/>
+          </a:effectRef>
+          <a:fontRef idx="minor">
+            <a:schemeClr val="lt1"/>
+          </a:fontRef>
+        </p:style>
+        <p:txBody>
+          <a:bodyPr rtlCol="0" anchor="ctr"/>
+          <a:lstStyle/>
+          <a:p>
+            <a:pPr algn="ctr"/>
+            <a:r>
+              <a:rPr lang="en-ZA" sz="1200" dirty="0">
+                <a:solidFill>
+                  <a:srgbClr val="0070C0"/>
+                </a:solidFill>
+              </a:rPr>
+              <a:t>Property Boundary </a:t>
+            </a:r>
+          </a:p>
+          <a:p>
+            <a:pPr algn="ctr"/>
+            <a:r>
+              <a:rPr lang="en-ZA" sz="1200" dirty="0">
+                <a:solidFill>
+                  <a:srgbClr val="0070C0"/>
+                </a:solidFill>
+              </a:rPr>
+              <a:t>Telkom boundary check legality</a:t>
+            </a:r>
+          </a:p>
+        </p:txBody>
+      </p:sp>
+      <p:sp>
+        <p:nvSpPr>
+          <p:cNvPr id="79" name="Speech Bubble: Rectangle with Corners Rounded 78">
+            <a:extLst>
+              <a:ext uri="{FF2B5EF4-FFF2-40B4-BE49-F238E27FC236}">
+                <a16:creationId xmlns:a16="http://schemas.microsoft.com/office/drawing/2014/main" id="{72EADBCB-E359-424A-8470-90C7723E7134}"/>
+              </a:ext>
+            </a:extLst>
+          </p:cNvPr>
+          <p:cNvSpPr/>
+          <p:nvPr/>
+        </p:nvSpPr>
+        <p:spPr>
+          <a:xfrm>
+            <a:off x="6216319" y="2028865"/>
+            <a:ext cx="1811340" cy="327660"/>
+          </a:xfrm>
+          <a:prstGeom prst="wedgeRoundRectCallout">
+            <a:avLst>
+              <a:gd name="adj1" fmla="val -50195"/>
+              <a:gd name="adj2" fmla="val 120597"/>
+              <a:gd name="adj3" fmla="val 16667"/>
+            </a:avLst>
+          </a:prstGeom>
+          <a:solidFill>
+            <a:srgbClr val="FF0000"/>
+          </a:solidFill>
+        </p:spPr>
+        <p:style>
+          <a:lnRef idx="2">
+            <a:schemeClr val="accent1">
+              <a:shade val="50000"/>
+            </a:schemeClr>
+          </a:lnRef>
+          <a:fillRef idx="1">
+            <a:schemeClr val="accent1"/>
+          </a:fillRef>
+          <a:effectRef idx="0">
+            <a:schemeClr val="accent1"/>
+          </a:effectRef>
+          <a:fontRef idx="minor">
+            <a:schemeClr val="lt1"/>
+          </a:fontRef>
+        </p:style>
+        <p:txBody>
+          <a:bodyPr rtlCol="0" anchor="ctr"/>
+          <a:lstStyle/>
+          <a:p>
+            <a:pPr algn="ctr"/>
+            <a:r>
+              <a:rPr lang="en-ZA" sz="1200" b="1" dirty="0">
+                <a:solidFill>
+                  <a:srgbClr val="FFFF00"/>
+                </a:solidFill>
+              </a:rPr>
+              <a:t>Oil Storage - Flammable</a:t>
+            </a:r>
+          </a:p>
+        </p:txBody>
+      </p:sp>
+      <p:sp>
+        <p:nvSpPr>
+          <p:cNvPr id="82" name="Speech Bubble: Rectangle with Corners Rounded 81">
+            <a:extLst>
+              <a:ext uri="{FF2B5EF4-FFF2-40B4-BE49-F238E27FC236}">
+                <a16:creationId xmlns:a16="http://schemas.microsoft.com/office/drawing/2014/main" id="{A2D38451-CF53-47E1-8A89-012F18CE0FCF}"/>
+              </a:ext>
+            </a:extLst>
+          </p:cNvPr>
+          <p:cNvSpPr/>
+          <p:nvPr/>
+        </p:nvSpPr>
+        <p:spPr>
+          <a:xfrm>
+            <a:off x="2661105" y="1689023"/>
+            <a:ext cx="2116167" cy="327660"/>
+          </a:xfrm>
+          <a:prstGeom prst="wedgeRoundRectCallout">
+            <a:avLst>
+              <a:gd name="adj1" fmla="val -50710"/>
+              <a:gd name="adj2" fmla="val 160464"/>
+              <a:gd name="adj3" fmla="val 16667"/>
+            </a:avLst>
+          </a:prstGeom>
+          <a:solidFill>
+            <a:schemeClr val="accent4">
+              <a:lumMod val="40000"/>
+              <a:lumOff val="60000"/>
+            </a:schemeClr>
+          </a:solidFill>
+        </p:spPr>
+        <p:style>
+          <a:lnRef idx="2">
+            <a:schemeClr val="accent1">
+              <a:shade val="50000"/>
+            </a:schemeClr>
+          </a:lnRef>
+          <a:fillRef idx="1">
+            <a:schemeClr val="accent1"/>
+          </a:fillRef>
+          <a:effectRef idx="0">
+            <a:schemeClr val="accent1"/>
+          </a:effectRef>
+          <a:fontRef idx="minor">
+            <a:schemeClr val="lt1"/>
+          </a:fontRef>
+        </p:style>
+        <p:txBody>
+          <a:bodyPr rtlCol="0" anchor="ctr"/>
+          <a:lstStyle/>
+          <a:p>
+            <a:pPr algn="ctr"/>
+            <a:r>
+              <a:rPr lang="en-ZA" sz="1200" b="1" dirty="0">
+                <a:solidFill>
+                  <a:srgbClr val="0070C0"/>
+                </a:solidFill>
+              </a:rPr>
+              <a:t>Engineparts Computer Room</a:t>
+            </a:r>
+          </a:p>
+        </p:txBody>
+      </p:sp>
+      <p:sp>
+        <p:nvSpPr>
+          <p:cNvPr id="83" name="Speech Bubble: Rectangle with Corners Rounded 82">
+            <a:extLst>
+              <a:ext uri="{FF2B5EF4-FFF2-40B4-BE49-F238E27FC236}">
+                <a16:creationId xmlns:a16="http://schemas.microsoft.com/office/drawing/2014/main" id="{588FC25F-4E2E-43CD-B2A8-ADA773B0ADE9}"/>
+              </a:ext>
+            </a:extLst>
+          </p:cNvPr>
+          <p:cNvSpPr/>
+          <p:nvPr/>
+        </p:nvSpPr>
+        <p:spPr>
+          <a:xfrm>
+            <a:off x="8444617" y="3017909"/>
+            <a:ext cx="1707089" cy="327660"/>
+          </a:xfrm>
+          <a:prstGeom prst="wedgeRoundRectCallout">
+            <a:avLst>
+              <a:gd name="adj1" fmla="val -50710"/>
+              <a:gd name="adj2" fmla="val 160464"/>
+              <a:gd name="adj3" fmla="val 16667"/>
+            </a:avLst>
+          </a:prstGeom>
+          <a:solidFill>
+            <a:schemeClr val="accent4">
+              <a:lumMod val="40000"/>
+              <a:lumOff val="60000"/>
+            </a:schemeClr>
+          </a:solidFill>
+        </p:spPr>
+        <p:style>
+          <a:lnRef idx="2">
+            <a:schemeClr val="accent1">
+              <a:shade val="50000"/>
+            </a:schemeClr>
+          </a:lnRef>
+          <a:fillRef idx="1">
+            <a:schemeClr val="accent1"/>
+          </a:fillRef>
+          <a:effectRef idx="0">
+            <a:schemeClr val="accent1"/>
+          </a:effectRef>
+          <a:fontRef idx="minor">
+            <a:schemeClr val="lt1"/>
+          </a:fontRef>
+        </p:style>
+        <p:txBody>
+          <a:bodyPr rtlCol="0" anchor="ctr"/>
+          <a:lstStyle/>
+          <a:p>
+            <a:pPr algn="ctr"/>
+            <a:r>
+              <a:rPr lang="en-ZA" sz="1200" b="1" dirty="0">
+                <a:solidFill>
+                  <a:srgbClr val="0070C0"/>
+                </a:solidFill>
+              </a:rPr>
+              <a:t>AAAS Computer Room</a:t>
+            </a:r>
+          </a:p>
+        </p:txBody>
+      </p:sp>
+      <p:sp>
+        <p:nvSpPr>
+          <p:cNvPr id="3" name="Freeform: Shape 2">
+            <a:extLst>
+              <a:ext uri="{FF2B5EF4-FFF2-40B4-BE49-F238E27FC236}">
+                <a16:creationId xmlns:a16="http://schemas.microsoft.com/office/drawing/2014/main" id="{02F5DFAB-80CF-4FEA-941D-C2D372B5095A}"/>
+              </a:ext>
+            </a:extLst>
+          </p:cNvPr>
+          <p:cNvSpPr/>
+          <p:nvPr/>
+        </p:nvSpPr>
+        <p:spPr>
+          <a:xfrm>
+            <a:off x="2875959" y="2808514"/>
+            <a:ext cx="5278995" cy="1446245"/>
+          </a:xfrm>
+          <a:custGeom>
+            <a:avLst/>
+            <a:gdLst>
+              <a:gd name="connsiteX0" fmla="*/ 0 w 5365102"/>
+              <a:gd name="connsiteY0" fmla="*/ 0 h 1446245"/>
+              <a:gd name="connsiteX1" fmla="*/ 354563 w 5365102"/>
+              <a:gd name="connsiteY1" fmla="*/ 9331 h 1446245"/>
+              <a:gd name="connsiteX2" fmla="*/ 1446245 w 5365102"/>
+              <a:gd name="connsiteY2" fmla="*/ 18662 h 1446245"/>
+              <a:gd name="connsiteX3" fmla="*/ 1576874 w 5365102"/>
+              <a:gd name="connsiteY3" fmla="*/ 37323 h 1446245"/>
+              <a:gd name="connsiteX4" fmla="*/ 1660849 w 5365102"/>
+              <a:gd name="connsiteY4" fmla="*/ 46653 h 1446245"/>
+              <a:gd name="connsiteX5" fmla="*/ 1688841 w 5365102"/>
+              <a:gd name="connsiteY5" fmla="*/ 55984 h 1446245"/>
+              <a:gd name="connsiteX6" fmla="*/ 1791478 w 5365102"/>
+              <a:gd name="connsiteY6" fmla="*/ 74645 h 1446245"/>
+              <a:gd name="connsiteX7" fmla="*/ 1856792 w 5365102"/>
+              <a:gd name="connsiteY7" fmla="*/ 93306 h 1446245"/>
+              <a:gd name="connsiteX8" fmla="*/ 1940767 w 5365102"/>
+              <a:gd name="connsiteY8" fmla="*/ 102637 h 1446245"/>
+              <a:gd name="connsiteX9" fmla="*/ 1968759 w 5365102"/>
+              <a:gd name="connsiteY9" fmla="*/ 111968 h 1446245"/>
+              <a:gd name="connsiteX10" fmla="*/ 2071396 w 5365102"/>
+              <a:gd name="connsiteY10" fmla="*/ 139959 h 1446245"/>
+              <a:gd name="connsiteX11" fmla="*/ 2108718 w 5365102"/>
+              <a:gd name="connsiteY11" fmla="*/ 158621 h 1446245"/>
+              <a:gd name="connsiteX12" fmla="*/ 2136710 w 5365102"/>
+              <a:gd name="connsiteY12" fmla="*/ 177282 h 1446245"/>
+              <a:gd name="connsiteX13" fmla="*/ 2192694 w 5365102"/>
+              <a:gd name="connsiteY13" fmla="*/ 195943 h 1446245"/>
+              <a:gd name="connsiteX14" fmla="*/ 2230016 w 5365102"/>
+              <a:gd name="connsiteY14" fmla="*/ 214604 h 1446245"/>
+              <a:gd name="connsiteX15" fmla="*/ 2258008 w 5365102"/>
+              <a:gd name="connsiteY15" fmla="*/ 223935 h 1446245"/>
+              <a:gd name="connsiteX16" fmla="*/ 2286000 w 5365102"/>
+              <a:gd name="connsiteY16" fmla="*/ 242596 h 1446245"/>
+              <a:gd name="connsiteX17" fmla="*/ 2341984 w 5365102"/>
+              <a:gd name="connsiteY17" fmla="*/ 270588 h 1446245"/>
+              <a:gd name="connsiteX18" fmla="*/ 2379306 w 5365102"/>
+              <a:gd name="connsiteY18" fmla="*/ 326572 h 1446245"/>
+              <a:gd name="connsiteX19" fmla="*/ 2397967 w 5365102"/>
+              <a:gd name="connsiteY19" fmla="*/ 354564 h 1446245"/>
+              <a:gd name="connsiteX20" fmla="*/ 2425959 w 5365102"/>
+              <a:gd name="connsiteY20" fmla="*/ 410547 h 1446245"/>
+              <a:gd name="connsiteX21" fmla="*/ 2435290 w 5365102"/>
+              <a:gd name="connsiteY21" fmla="*/ 438539 h 1446245"/>
+              <a:gd name="connsiteX22" fmla="*/ 2453951 w 5365102"/>
+              <a:gd name="connsiteY22" fmla="*/ 466531 h 1446245"/>
+              <a:gd name="connsiteX23" fmla="*/ 2491274 w 5365102"/>
+              <a:gd name="connsiteY23" fmla="*/ 531845 h 1446245"/>
+              <a:gd name="connsiteX24" fmla="*/ 2500604 w 5365102"/>
+              <a:gd name="connsiteY24" fmla="*/ 578498 h 1446245"/>
+              <a:gd name="connsiteX25" fmla="*/ 2537927 w 5365102"/>
+              <a:gd name="connsiteY25" fmla="*/ 634482 h 1446245"/>
+              <a:gd name="connsiteX26" fmla="*/ 2565918 w 5365102"/>
+              <a:gd name="connsiteY26" fmla="*/ 699796 h 1446245"/>
+              <a:gd name="connsiteX27" fmla="*/ 2584580 w 5365102"/>
+              <a:gd name="connsiteY27" fmla="*/ 755780 h 1446245"/>
+              <a:gd name="connsiteX28" fmla="*/ 2603241 w 5365102"/>
+              <a:gd name="connsiteY28" fmla="*/ 793102 h 1446245"/>
+              <a:gd name="connsiteX29" fmla="*/ 2621902 w 5365102"/>
+              <a:gd name="connsiteY29" fmla="*/ 821094 h 1446245"/>
+              <a:gd name="connsiteX30" fmla="*/ 2631233 w 5365102"/>
+              <a:gd name="connsiteY30" fmla="*/ 849086 h 1446245"/>
+              <a:gd name="connsiteX31" fmla="*/ 2649894 w 5365102"/>
+              <a:gd name="connsiteY31" fmla="*/ 886408 h 1446245"/>
+              <a:gd name="connsiteX32" fmla="*/ 2668555 w 5365102"/>
+              <a:gd name="connsiteY32" fmla="*/ 914400 h 1446245"/>
+              <a:gd name="connsiteX33" fmla="*/ 2677886 w 5365102"/>
+              <a:gd name="connsiteY33" fmla="*/ 942392 h 1446245"/>
+              <a:gd name="connsiteX34" fmla="*/ 2715208 w 5365102"/>
+              <a:gd name="connsiteY34" fmla="*/ 998376 h 1446245"/>
+              <a:gd name="connsiteX35" fmla="*/ 2771192 w 5365102"/>
+              <a:gd name="connsiteY35" fmla="*/ 1091682 h 1446245"/>
+              <a:gd name="connsiteX36" fmla="*/ 2789853 w 5365102"/>
+              <a:gd name="connsiteY36" fmla="*/ 1119674 h 1446245"/>
+              <a:gd name="connsiteX37" fmla="*/ 2827176 w 5365102"/>
+              <a:gd name="connsiteY37" fmla="*/ 1147666 h 1446245"/>
+              <a:gd name="connsiteX38" fmla="*/ 2845837 w 5365102"/>
+              <a:gd name="connsiteY38" fmla="*/ 1175657 h 1446245"/>
+              <a:gd name="connsiteX39" fmla="*/ 2892490 w 5365102"/>
+              <a:gd name="connsiteY39" fmla="*/ 1222310 h 1446245"/>
+              <a:gd name="connsiteX40" fmla="*/ 2911151 w 5365102"/>
+              <a:gd name="connsiteY40" fmla="*/ 1240972 h 1446245"/>
+              <a:gd name="connsiteX41" fmla="*/ 2939143 w 5365102"/>
+              <a:gd name="connsiteY41" fmla="*/ 1250302 h 1446245"/>
+              <a:gd name="connsiteX42" fmla="*/ 3023118 w 5365102"/>
+              <a:gd name="connsiteY42" fmla="*/ 1296955 h 1446245"/>
+              <a:gd name="connsiteX43" fmla="*/ 3051110 w 5365102"/>
+              <a:gd name="connsiteY43" fmla="*/ 1315617 h 1446245"/>
+              <a:gd name="connsiteX44" fmla="*/ 3088433 w 5365102"/>
+              <a:gd name="connsiteY44" fmla="*/ 1324947 h 1446245"/>
+              <a:gd name="connsiteX45" fmla="*/ 3116425 w 5365102"/>
+              <a:gd name="connsiteY45" fmla="*/ 1334278 h 1446245"/>
+              <a:gd name="connsiteX46" fmla="*/ 3153747 w 5365102"/>
+              <a:gd name="connsiteY46" fmla="*/ 1352939 h 1446245"/>
+              <a:gd name="connsiteX47" fmla="*/ 3191069 w 5365102"/>
+              <a:gd name="connsiteY47" fmla="*/ 1362270 h 1446245"/>
+              <a:gd name="connsiteX48" fmla="*/ 3228392 w 5365102"/>
+              <a:gd name="connsiteY48" fmla="*/ 1380931 h 1446245"/>
+              <a:gd name="connsiteX49" fmla="*/ 3293706 w 5365102"/>
+              <a:gd name="connsiteY49" fmla="*/ 1390262 h 1446245"/>
+              <a:gd name="connsiteX50" fmla="*/ 3424335 w 5365102"/>
+              <a:gd name="connsiteY50" fmla="*/ 1418253 h 1446245"/>
+              <a:gd name="connsiteX51" fmla="*/ 3517641 w 5365102"/>
+              <a:gd name="connsiteY51" fmla="*/ 1436915 h 1446245"/>
+              <a:gd name="connsiteX52" fmla="*/ 3666931 w 5365102"/>
+              <a:gd name="connsiteY52" fmla="*/ 1446245 h 1446245"/>
+              <a:gd name="connsiteX53" fmla="*/ 4310743 w 5365102"/>
+              <a:gd name="connsiteY53" fmla="*/ 1427584 h 1446245"/>
+              <a:gd name="connsiteX54" fmla="*/ 4525347 w 5365102"/>
+              <a:gd name="connsiteY54" fmla="*/ 1408923 h 1446245"/>
+              <a:gd name="connsiteX55" fmla="*/ 4674637 w 5365102"/>
+              <a:gd name="connsiteY55" fmla="*/ 1390262 h 1446245"/>
+              <a:gd name="connsiteX56" fmla="*/ 4702629 w 5365102"/>
+              <a:gd name="connsiteY56" fmla="*/ 1380931 h 1446245"/>
+              <a:gd name="connsiteX57" fmla="*/ 4777274 w 5365102"/>
+              <a:gd name="connsiteY57" fmla="*/ 1371600 h 1446245"/>
+              <a:gd name="connsiteX58" fmla="*/ 4926563 w 5365102"/>
+              <a:gd name="connsiteY58" fmla="*/ 1352939 h 1446245"/>
+              <a:gd name="connsiteX59" fmla="*/ 5038531 w 5365102"/>
+              <a:gd name="connsiteY59" fmla="*/ 1334278 h 1446245"/>
+              <a:gd name="connsiteX60" fmla="*/ 5066523 w 5365102"/>
+              <a:gd name="connsiteY60" fmla="*/ 1324947 h 1446245"/>
+              <a:gd name="connsiteX61" fmla="*/ 5169159 w 5365102"/>
+              <a:gd name="connsiteY61" fmla="*/ 1306286 h 1446245"/>
+              <a:gd name="connsiteX62" fmla="*/ 5225143 w 5365102"/>
+              <a:gd name="connsiteY62" fmla="*/ 1287625 h 1446245"/>
+              <a:gd name="connsiteX63" fmla="*/ 5309118 w 5365102"/>
+              <a:gd name="connsiteY63" fmla="*/ 1259633 h 1446245"/>
+              <a:gd name="connsiteX64" fmla="*/ 5337110 w 5365102"/>
+              <a:gd name="connsiteY64" fmla="*/ 1250302 h 1446245"/>
+              <a:gd name="connsiteX65" fmla="*/ 5365102 w 5365102"/>
+              <a:gd name="connsiteY65" fmla="*/ 1240972 h 1446245"/>
+            </a:gdLst>
+            <a:ahLst/>
+            <a:cxnLst>
+              <a:cxn ang="0">
+                <a:pos x="connsiteX0" y="connsiteY0"/>
+              </a:cxn>
+              <a:cxn ang="0">
+                <a:pos x="connsiteX1" y="connsiteY1"/>
+              </a:cxn>
+              <a:cxn ang="0">
+                <a:pos x="connsiteX2" y="connsiteY2"/>
+              </a:cxn>
+              <a:cxn ang="0">
+                <a:pos x="connsiteX3" y="connsiteY3"/>
+              </a:cxn>
+              <a:cxn ang="0">
+                <a:pos x="connsiteX4" y="connsiteY4"/>
+              </a:cxn>
+              <a:cxn ang="0">
+                <a:pos x="connsiteX5" y="connsiteY5"/>
+              </a:cxn>
+              <a:cxn ang="0">
+                <a:pos x="connsiteX6" y="connsiteY6"/>
+              </a:cxn>
+              <a:cxn ang="0">
+                <a:pos x="connsiteX7" y="connsiteY7"/>
+              </a:cxn>
+              <a:cxn ang="0">
+                <a:pos x="connsiteX8" y="connsiteY8"/>
+              </a:cxn>
+              <a:cxn ang="0">
+                <a:pos x="connsiteX9" y="connsiteY9"/>
+              </a:cxn>
+              <a:cxn ang="0">
+                <a:pos x="connsiteX10" y="connsiteY10"/>
+              </a:cxn>
+              <a:cxn ang="0">
+                <a:pos x="connsiteX11" y="connsiteY11"/>
+              </a:cxn>
+              <a:cxn ang="0">
+                <a:pos x="connsiteX12" y="connsiteY12"/>
+              </a:cxn>
+              <a:cxn ang="0">
+                <a:pos x="connsiteX13" y="connsiteY13"/>
+              </a:cxn>
+              <a:cxn ang="0">
+                <a:pos x="connsiteX14" y="connsiteY14"/>
+              </a:cxn>
+              <a:cxn ang="0">
+                <a:pos x="connsiteX15" y="connsiteY15"/>
+              </a:cxn>
+              <a:cxn ang="0">
+                <a:pos x="connsiteX16" y="connsiteY16"/>
+              </a:cxn>
+              <a:cxn ang="0">
+                <a:pos x="connsiteX17" y="connsiteY17"/>
+              </a:cxn>
+              <a:cxn ang="0">
+                <a:pos x="connsiteX18" y="connsiteY18"/>
+              </a:cxn>
+              <a:cxn ang="0">
+                <a:pos x="connsiteX19" y="connsiteY19"/>
+              </a:cxn>
+              <a:cxn ang="0">
+                <a:pos x="connsiteX20" y="connsiteY20"/>
+              </a:cxn>
+              <a:cxn ang="0">
+                <a:pos x="connsiteX21" y="connsiteY21"/>
+              </a:cxn>
+              <a:cxn ang="0">
+                <a:pos x="connsiteX22" y="connsiteY22"/>
+              </a:cxn>
+              <a:cxn ang="0">
+                <a:pos x="connsiteX23" y="connsiteY23"/>
+              </a:cxn>
+              <a:cxn ang="0">
+                <a:pos x="connsiteX24" y="connsiteY24"/>
+              </a:cxn>
+              <a:cxn ang="0">
+                <a:pos x="connsiteX25" y="connsiteY25"/>
+              </a:cxn>
+              <a:cxn ang="0">
+                <a:pos x="connsiteX26" y="connsiteY26"/>
+              </a:cxn>
+              <a:cxn ang="0">
+                <a:pos x="connsiteX27" y="connsiteY27"/>
+              </a:cxn>
+              <a:cxn ang="0">
+                <a:pos x="connsiteX28" y="connsiteY28"/>
+              </a:cxn>
+              <a:cxn ang="0">
+                <a:pos x="connsiteX29" y="connsiteY29"/>
+              </a:cxn>
+              <a:cxn ang="0">
+                <a:pos x="connsiteX30" y="connsiteY30"/>
+              </a:cxn>
+              <a:cxn ang="0">
+                <a:pos x="connsiteX31" y="connsiteY31"/>
+              </a:cxn>
+              <a:cxn ang="0">
+                <a:pos x="connsiteX32" y="connsiteY32"/>
+              </a:cxn>
+              <a:cxn ang="0">
+                <a:pos x="connsiteX33" y="connsiteY33"/>
+              </a:cxn>
+              <a:cxn ang="0">
+                <a:pos x="connsiteX34" y="connsiteY34"/>
+              </a:cxn>
+              <a:cxn ang="0">
+                <a:pos x="connsiteX35" y="connsiteY35"/>
+              </a:cxn>
+              <a:cxn ang="0">
+                <a:pos x="connsiteX36" y="connsiteY36"/>
+              </a:cxn>
+              <a:cxn ang="0">
+                <a:pos x="connsiteX37" y="connsiteY37"/>
+              </a:cxn>
+              <a:cxn ang="0">
+                <a:pos x="connsiteX38" y="connsiteY38"/>
+              </a:cxn>
+              <a:cxn ang="0">
+                <a:pos x="connsiteX39" y="connsiteY39"/>
+              </a:cxn>
+              <a:cxn ang="0">
+                <a:pos x="connsiteX40" y="connsiteY40"/>
+              </a:cxn>
+              <a:cxn ang="0">
+                <a:pos x="connsiteX41" y="connsiteY41"/>
+              </a:cxn>
+              <a:cxn ang="0">
+                <a:pos x="connsiteX42" y="connsiteY42"/>
+              </a:cxn>
+              <a:cxn ang="0">
+                <a:pos x="connsiteX43" y="connsiteY43"/>
+              </a:cxn>
+              <a:cxn ang="0">
+                <a:pos x="connsiteX44" y="connsiteY44"/>
+              </a:cxn>
+              <a:cxn ang="0">
+                <a:pos x="connsiteX45" y="connsiteY45"/>
+              </a:cxn>
+              <a:cxn ang="0">
+                <a:pos x="connsiteX46" y="connsiteY46"/>
+              </a:cxn>
+              <a:cxn ang="0">
+                <a:pos x="connsiteX47" y="connsiteY47"/>
+              </a:cxn>
+              <a:cxn ang="0">
+                <a:pos x="connsiteX48" y="connsiteY48"/>
+              </a:cxn>
+              <a:cxn ang="0">
+                <a:pos x="connsiteX49" y="connsiteY49"/>
+              </a:cxn>
+              <a:cxn ang="0">
+                <a:pos x="connsiteX50" y="connsiteY50"/>
+              </a:cxn>
+              <a:cxn ang="0">
+                <a:pos x="connsiteX51" y="connsiteY51"/>
+              </a:cxn>
+              <a:cxn ang="0">
+                <a:pos x="connsiteX52" y="connsiteY52"/>
+              </a:cxn>
+              <a:cxn ang="0">
+                <a:pos x="connsiteX53" y="connsiteY53"/>
+              </a:cxn>
+              <a:cxn ang="0">
+                <a:pos x="connsiteX54" y="connsiteY54"/>
+              </a:cxn>
+              <a:cxn ang="0">
+                <a:pos x="connsiteX55" y="connsiteY55"/>
+              </a:cxn>
+              <a:cxn ang="0">
+                <a:pos x="connsiteX56" y="connsiteY56"/>
+              </a:cxn>
+              <a:cxn ang="0">
+                <a:pos x="connsiteX57" y="connsiteY57"/>
+              </a:cxn>
+              <a:cxn ang="0">
+                <a:pos x="connsiteX58" y="connsiteY58"/>
+              </a:cxn>
+              <a:cxn ang="0">
+                <a:pos x="connsiteX59" y="connsiteY59"/>
+              </a:cxn>
+              <a:cxn ang="0">
+                <a:pos x="connsiteX60" y="connsiteY60"/>
+              </a:cxn>
+              <a:cxn ang="0">
+                <a:pos x="connsiteX61" y="connsiteY61"/>
+              </a:cxn>
+              <a:cxn ang="0">
+                <a:pos x="connsiteX62" y="connsiteY62"/>
+              </a:cxn>
+              <a:cxn ang="0">
+                <a:pos x="connsiteX63" y="connsiteY63"/>
+              </a:cxn>
+              <a:cxn ang="0">
+                <a:pos x="connsiteX64" y="connsiteY64"/>
+              </a:cxn>
+              <a:cxn ang="0">
+                <a:pos x="connsiteX65" y="connsiteY65"/>
+              </a:cxn>
+            </a:cxnLst>
+            <a:rect l="l" t="t" r="r" b="b"/>
+            <a:pathLst>
+              <a:path w="5365102" h="1446245">
+                <a:moveTo>
+                  <a:pt x="0" y="0"/>
+                </a:moveTo>
+                <a:lnTo>
+                  <a:pt x="354563" y="9331"/>
+                </a:lnTo>
+                <a:lnTo>
+                  <a:pt x="1446245" y="18662"/>
+                </a:lnTo>
+                <a:cubicBezTo>
+                  <a:pt x="1530543" y="20000"/>
+                  <a:pt x="1511297" y="27955"/>
+                  <a:pt x="1576874" y="37323"/>
+                </a:cubicBezTo>
+                <a:cubicBezTo>
+                  <a:pt x="1604755" y="41306"/>
+                  <a:pt x="1632857" y="43543"/>
+                  <a:pt x="1660849" y="46653"/>
+                </a:cubicBezTo>
+                <a:cubicBezTo>
+                  <a:pt x="1670180" y="49763"/>
+                  <a:pt x="1679299" y="53598"/>
+                  <a:pt x="1688841" y="55984"/>
+                </a:cubicBezTo>
+                <a:cubicBezTo>
+                  <a:pt x="1714932" y="62507"/>
+                  <a:pt x="1766510" y="70484"/>
+                  <a:pt x="1791478" y="74645"/>
+                </a:cubicBezTo>
+                <a:cubicBezTo>
+                  <a:pt x="1812386" y="81615"/>
+                  <a:pt x="1835025" y="89957"/>
+                  <a:pt x="1856792" y="93306"/>
+                </a:cubicBezTo>
+                <a:cubicBezTo>
+                  <a:pt x="1884628" y="97588"/>
+                  <a:pt x="1912775" y="99527"/>
+                  <a:pt x="1940767" y="102637"/>
+                </a:cubicBezTo>
+                <a:cubicBezTo>
+                  <a:pt x="1950098" y="105747"/>
+                  <a:pt x="1959217" y="109583"/>
+                  <a:pt x="1968759" y="111968"/>
+                </a:cubicBezTo>
+                <a:cubicBezTo>
+                  <a:pt x="2009710" y="122206"/>
+                  <a:pt x="2031364" y="119942"/>
+                  <a:pt x="2071396" y="139959"/>
+                </a:cubicBezTo>
+                <a:cubicBezTo>
+                  <a:pt x="2083837" y="146180"/>
+                  <a:pt x="2096641" y="151720"/>
+                  <a:pt x="2108718" y="158621"/>
+                </a:cubicBezTo>
+                <a:cubicBezTo>
+                  <a:pt x="2118454" y="164185"/>
+                  <a:pt x="2126462" y="172728"/>
+                  <a:pt x="2136710" y="177282"/>
+                </a:cubicBezTo>
+                <a:cubicBezTo>
+                  <a:pt x="2154685" y="185271"/>
+                  <a:pt x="2175100" y="187146"/>
+                  <a:pt x="2192694" y="195943"/>
+                </a:cubicBezTo>
+                <a:cubicBezTo>
+                  <a:pt x="2205135" y="202163"/>
+                  <a:pt x="2217232" y="209125"/>
+                  <a:pt x="2230016" y="214604"/>
+                </a:cubicBezTo>
+                <a:cubicBezTo>
+                  <a:pt x="2239056" y="218478"/>
+                  <a:pt x="2249211" y="219536"/>
+                  <a:pt x="2258008" y="223935"/>
+                </a:cubicBezTo>
+                <a:cubicBezTo>
+                  <a:pt x="2268038" y="228950"/>
+                  <a:pt x="2275970" y="237581"/>
+                  <a:pt x="2286000" y="242596"/>
+                </a:cubicBezTo>
+                <a:cubicBezTo>
+                  <a:pt x="2363261" y="281227"/>
+                  <a:pt x="2261763" y="217108"/>
+                  <a:pt x="2341984" y="270588"/>
+                </a:cubicBezTo>
+                <a:lnTo>
+                  <a:pt x="2379306" y="326572"/>
+                </a:lnTo>
+                <a:cubicBezTo>
+                  <a:pt x="2385526" y="335903"/>
+                  <a:pt x="2394421" y="343926"/>
+                  <a:pt x="2397967" y="354564"/>
+                </a:cubicBezTo>
+                <a:cubicBezTo>
+                  <a:pt x="2421422" y="424923"/>
+                  <a:pt x="2389782" y="338194"/>
+                  <a:pt x="2425959" y="410547"/>
+                </a:cubicBezTo>
+                <a:cubicBezTo>
+                  <a:pt x="2430358" y="419344"/>
+                  <a:pt x="2430891" y="429742"/>
+                  <a:pt x="2435290" y="438539"/>
+                </a:cubicBezTo>
+                <a:cubicBezTo>
+                  <a:pt x="2440305" y="448569"/>
+                  <a:pt x="2448936" y="456501"/>
+                  <a:pt x="2453951" y="466531"/>
+                </a:cubicBezTo>
+                <a:cubicBezTo>
+                  <a:pt x="2489570" y="537769"/>
+                  <a:pt x="2423592" y="441604"/>
+                  <a:pt x="2491274" y="531845"/>
+                </a:cubicBezTo>
+                <a:cubicBezTo>
+                  <a:pt x="2494384" y="547396"/>
+                  <a:pt x="2494042" y="564061"/>
+                  <a:pt x="2500604" y="578498"/>
+                </a:cubicBezTo>
+                <a:cubicBezTo>
+                  <a:pt x="2509885" y="598916"/>
+                  <a:pt x="2537927" y="634482"/>
+                  <a:pt x="2537927" y="634482"/>
+                </a:cubicBezTo>
+                <a:cubicBezTo>
+                  <a:pt x="2562606" y="733202"/>
+                  <a:pt x="2529100" y="616956"/>
+                  <a:pt x="2565918" y="699796"/>
+                </a:cubicBezTo>
+                <a:cubicBezTo>
+                  <a:pt x="2573907" y="717771"/>
+                  <a:pt x="2575783" y="738186"/>
+                  <a:pt x="2584580" y="755780"/>
+                </a:cubicBezTo>
+                <a:cubicBezTo>
+                  <a:pt x="2590800" y="768221"/>
+                  <a:pt x="2596340" y="781026"/>
+                  <a:pt x="2603241" y="793102"/>
+                </a:cubicBezTo>
+                <a:cubicBezTo>
+                  <a:pt x="2608805" y="802839"/>
+                  <a:pt x="2616887" y="811064"/>
+                  <a:pt x="2621902" y="821094"/>
+                </a:cubicBezTo>
+                <a:cubicBezTo>
+                  <a:pt x="2626301" y="829891"/>
+                  <a:pt x="2627359" y="840046"/>
+                  <a:pt x="2631233" y="849086"/>
+                </a:cubicBezTo>
+                <a:cubicBezTo>
+                  <a:pt x="2636712" y="861870"/>
+                  <a:pt x="2642993" y="874332"/>
+                  <a:pt x="2649894" y="886408"/>
+                </a:cubicBezTo>
+                <a:cubicBezTo>
+                  <a:pt x="2655458" y="896145"/>
+                  <a:pt x="2663540" y="904370"/>
+                  <a:pt x="2668555" y="914400"/>
+                </a:cubicBezTo>
+                <a:cubicBezTo>
+                  <a:pt x="2672954" y="923197"/>
+                  <a:pt x="2673110" y="933794"/>
+                  <a:pt x="2677886" y="942392"/>
+                </a:cubicBezTo>
+                <a:cubicBezTo>
+                  <a:pt x="2688778" y="961998"/>
+                  <a:pt x="2705178" y="978316"/>
+                  <a:pt x="2715208" y="998376"/>
+                </a:cubicBezTo>
+                <a:cubicBezTo>
+                  <a:pt x="2743900" y="1055760"/>
+                  <a:pt x="2726152" y="1024123"/>
+                  <a:pt x="2771192" y="1091682"/>
+                </a:cubicBezTo>
+                <a:cubicBezTo>
+                  <a:pt x="2777412" y="1101013"/>
+                  <a:pt x="2780882" y="1112946"/>
+                  <a:pt x="2789853" y="1119674"/>
+                </a:cubicBezTo>
+                <a:cubicBezTo>
+                  <a:pt x="2802294" y="1129005"/>
+                  <a:pt x="2816180" y="1136670"/>
+                  <a:pt x="2827176" y="1147666"/>
+                </a:cubicBezTo>
+                <a:cubicBezTo>
+                  <a:pt x="2835105" y="1155595"/>
+                  <a:pt x="2838453" y="1167218"/>
+                  <a:pt x="2845837" y="1175657"/>
+                </a:cubicBezTo>
+                <a:cubicBezTo>
+                  <a:pt x="2860319" y="1192208"/>
+                  <a:pt x="2876939" y="1206759"/>
+                  <a:pt x="2892490" y="1222310"/>
+                </a:cubicBezTo>
+                <a:cubicBezTo>
+                  <a:pt x="2898710" y="1228531"/>
+                  <a:pt x="2902805" y="1238190"/>
+                  <a:pt x="2911151" y="1240972"/>
+                </a:cubicBezTo>
+                <a:lnTo>
+                  <a:pt x="2939143" y="1250302"/>
+                </a:lnTo>
+                <a:cubicBezTo>
+                  <a:pt x="3003310" y="1293081"/>
+                  <a:pt x="2973850" y="1280533"/>
+                  <a:pt x="3023118" y="1296955"/>
+                </a:cubicBezTo>
+                <a:cubicBezTo>
+                  <a:pt x="3032449" y="1303176"/>
+                  <a:pt x="3040803" y="1311200"/>
+                  <a:pt x="3051110" y="1315617"/>
+                </a:cubicBezTo>
+                <a:cubicBezTo>
+                  <a:pt x="3062897" y="1320669"/>
+                  <a:pt x="3076103" y="1321424"/>
+                  <a:pt x="3088433" y="1324947"/>
+                </a:cubicBezTo>
+                <a:cubicBezTo>
+                  <a:pt x="3097890" y="1327649"/>
+                  <a:pt x="3107385" y="1330404"/>
+                  <a:pt x="3116425" y="1334278"/>
+                </a:cubicBezTo>
+                <a:cubicBezTo>
+                  <a:pt x="3129209" y="1339757"/>
+                  <a:pt x="3140724" y="1348055"/>
+                  <a:pt x="3153747" y="1352939"/>
+                </a:cubicBezTo>
+                <a:cubicBezTo>
+                  <a:pt x="3165754" y="1357442"/>
+                  <a:pt x="3179062" y="1357767"/>
+                  <a:pt x="3191069" y="1362270"/>
+                </a:cubicBezTo>
+                <a:cubicBezTo>
+                  <a:pt x="3204093" y="1367154"/>
+                  <a:pt x="3214973" y="1377271"/>
+                  <a:pt x="3228392" y="1380931"/>
+                </a:cubicBezTo>
+                <a:cubicBezTo>
+                  <a:pt x="3249609" y="1386718"/>
+                  <a:pt x="3271935" y="1387152"/>
+                  <a:pt x="3293706" y="1390262"/>
+                </a:cubicBezTo>
+                <a:cubicBezTo>
+                  <a:pt x="3376899" y="1423539"/>
+                  <a:pt x="3306241" y="1400085"/>
+                  <a:pt x="3424335" y="1418253"/>
+                </a:cubicBezTo>
+                <a:cubicBezTo>
+                  <a:pt x="3509082" y="1431291"/>
+                  <a:pt x="3406119" y="1426777"/>
+                  <a:pt x="3517641" y="1436915"/>
+                </a:cubicBezTo>
+                <a:cubicBezTo>
+                  <a:pt x="3567297" y="1441429"/>
+                  <a:pt x="3617168" y="1443135"/>
+                  <a:pt x="3666931" y="1446245"/>
+                </a:cubicBezTo>
+                <a:cubicBezTo>
+                  <a:pt x="3798408" y="1443323"/>
+                  <a:pt x="4140705" y="1438438"/>
+                  <a:pt x="4310743" y="1427584"/>
+                </a:cubicBezTo>
+                <a:cubicBezTo>
+                  <a:pt x="4382402" y="1423010"/>
+                  <a:pt x="4525347" y="1408923"/>
+                  <a:pt x="4525347" y="1408923"/>
+                </a:cubicBezTo>
+                <a:cubicBezTo>
+                  <a:pt x="4655383" y="1382915"/>
+                  <a:pt x="4448554" y="1422559"/>
+                  <a:pt x="4674637" y="1390262"/>
+                </a:cubicBezTo>
+                <a:cubicBezTo>
+                  <a:pt x="4684374" y="1388871"/>
+                  <a:pt x="4692952" y="1382690"/>
+                  <a:pt x="4702629" y="1380931"/>
+                </a:cubicBezTo>
+                <a:cubicBezTo>
+                  <a:pt x="4727300" y="1376445"/>
+                  <a:pt x="4752451" y="1375146"/>
+                  <a:pt x="4777274" y="1371600"/>
+                </a:cubicBezTo>
+                <a:cubicBezTo>
+                  <a:pt x="4912310" y="1352309"/>
+                  <a:pt x="4734762" y="1372120"/>
+                  <a:pt x="4926563" y="1352939"/>
+                </a:cubicBezTo>
+                <a:cubicBezTo>
+                  <a:pt x="5025447" y="1328217"/>
+                  <a:pt x="4878356" y="1363400"/>
+                  <a:pt x="5038531" y="1334278"/>
+                </a:cubicBezTo>
+                <a:cubicBezTo>
+                  <a:pt x="5048208" y="1332519"/>
+                  <a:pt x="5056922" y="1327081"/>
+                  <a:pt x="5066523" y="1324947"/>
+                </a:cubicBezTo>
+                <a:cubicBezTo>
+                  <a:pt x="5104955" y="1316407"/>
+                  <a:pt x="5131781" y="1316480"/>
+                  <a:pt x="5169159" y="1306286"/>
+                </a:cubicBezTo>
+                <a:cubicBezTo>
+                  <a:pt x="5188137" y="1301110"/>
+                  <a:pt x="5206482" y="1293845"/>
+                  <a:pt x="5225143" y="1287625"/>
+                </a:cubicBezTo>
+                <a:lnTo>
+                  <a:pt x="5309118" y="1259633"/>
+                </a:lnTo>
+                <a:lnTo>
+                  <a:pt x="5337110" y="1250302"/>
+                </a:lnTo>
+                <a:lnTo>
+                  <a:pt x="5365102" y="1240972"/>
+                </a:lnTo>
+              </a:path>
+            </a:pathLst>
+          </a:custGeom>
+          <a:noFill/>
+          <a:ln w="38100"/>
+        </p:spPr>
+        <p:style>
+          <a:lnRef idx="2">
+            <a:schemeClr val="accent1">
+              <a:shade val="50000"/>
+            </a:schemeClr>
+          </a:lnRef>
+          <a:fillRef idx="1">
+            <a:schemeClr val="accent1"/>
+          </a:fillRef>
+          <a:effectRef idx="0">
+            <a:schemeClr val="accent1"/>
+          </a:effectRef>
+          <a:fontRef idx="minor">
+            <a:schemeClr val="lt1"/>
+          </a:fontRef>
+        </p:style>
+        <p:txBody>
+          <a:bodyPr rtlCol="0" anchor="ctr"/>
+          <a:lstStyle/>
+          <a:p>
+            <a:pPr algn="ctr"/>
+            <a:endParaRPr lang="en-ZA"/>
+          </a:p>
+        </p:txBody>
+      </p:sp>
+      <p:sp>
+        <p:nvSpPr>
+          <p:cNvPr id="85" name="Speech Bubble: Rectangle with Corners Rounded 84">
+            <a:extLst>
+              <a:ext uri="{FF2B5EF4-FFF2-40B4-BE49-F238E27FC236}">
+                <a16:creationId xmlns:a16="http://schemas.microsoft.com/office/drawing/2014/main" id="{704F67A1-9A85-4B72-A536-9CA8828AB5F1}"/>
+              </a:ext>
+            </a:extLst>
+          </p:cNvPr>
+          <p:cNvSpPr/>
+          <p:nvPr/>
+        </p:nvSpPr>
+        <p:spPr>
+          <a:xfrm>
+            <a:off x="5287434" y="2690249"/>
+            <a:ext cx="1610673" cy="327660"/>
+          </a:xfrm>
+          <a:prstGeom prst="wedgeRoundRectCallout">
+            <a:avLst>
+              <a:gd name="adj1" fmla="val -50710"/>
+              <a:gd name="adj2" fmla="val 160464"/>
+              <a:gd name="adj3" fmla="val 16667"/>
+            </a:avLst>
+          </a:prstGeom>
+          <a:solidFill>
+            <a:schemeClr val="accent4">
+              <a:lumMod val="40000"/>
+              <a:lumOff val="60000"/>
+            </a:schemeClr>
+          </a:solidFill>
+        </p:spPr>
+        <p:style>
+          <a:lnRef idx="2">
+            <a:schemeClr val="accent1">
+              <a:shade val="50000"/>
+            </a:schemeClr>
+          </a:lnRef>
+          <a:fillRef idx="1">
+            <a:schemeClr val="accent1"/>
+          </a:fillRef>
+          <a:effectRef idx="0">
+            <a:schemeClr val="accent1"/>
+          </a:effectRef>
+          <a:fontRef idx="minor">
+            <a:schemeClr val="lt1"/>
+          </a:fontRef>
+        </p:style>
+        <p:txBody>
+          <a:bodyPr rtlCol="0" anchor="ctr"/>
+          <a:lstStyle/>
+          <a:p>
+            <a:pPr algn="ctr"/>
+            <a:r>
+              <a:rPr lang="en-ZA" sz="1200" dirty="0">
+                <a:solidFill>
+                  <a:srgbClr val="0070C0"/>
+                </a:solidFill>
+              </a:rPr>
+              <a:t>Fibre</a:t>
+            </a:r>
+          </a:p>
+        </p:txBody>
+      </p:sp>
+      <p:sp>
+        <p:nvSpPr>
+          <p:cNvPr id="5" name="Flowchart: Connector 4">
+            <a:extLst>
+              <a:ext uri="{FF2B5EF4-FFF2-40B4-BE49-F238E27FC236}">
+                <a16:creationId xmlns:a16="http://schemas.microsoft.com/office/drawing/2014/main" id="{80B03277-B3B5-4AF6-B778-9F11029CD27F}"/>
+              </a:ext>
+            </a:extLst>
+          </p:cNvPr>
+          <p:cNvSpPr/>
+          <p:nvPr/>
+        </p:nvSpPr>
+        <p:spPr>
+          <a:xfrm>
+            <a:off x="5398033" y="1662323"/>
+            <a:ext cx="371755" cy="317240"/>
+          </a:xfrm>
+          <a:prstGeom prst="flowChartConnector">
+            <a:avLst/>
+          </a:prstGeom>
+          <a:solidFill>
+            <a:srgbClr val="FF0000"/>
+          </a:solidFill>
+        </p:spPr>
+        <p:style>
+          <a:lnRef idx="2">
+            <a:schemeClr val="accent1">
+              <a:shade val="50000"/>
+            </a:schemeClr>
+          </a:lnRef>
+          <a:fillRef idx="1">
+            <a:schemeClr val="accent1"/>
+          </a:fillRef>
+          <a:effectRef idx="0">
+            <a:schemeClr val="accent1"/>
+          </a:effectRef>
+          <a:fontRef idx="minor">
+            <a:schemeClr val="lt1"/>
+          </a:fontRef>
+        </p:style>
+        <p:txBody>
+          <a:bodyPr rtlCol="0" anchor="ctr"/>
+          <a:lstStyle/>
+          <a:p>
+            <a:pPr algn="ctr"/>
+            <a:r>
+              <a:rPr lang="en-ZA" b="1" dirty="0"/>
+              <a:t>!</a:t>
+            </a:r>
+          </a:p>
+        </p:txBody>
+      </p:sp>
+      <p:sp>
+        <p:nvSpPr>
+          <p:cNvPr id="86" name="Speech Bubble: Rectangle with Corners Rounded 85">
+            <a:extLst>
+              <a:ext uri="{FF2B5EF4-FFF2-40B4-BE49-F238E27FC236}">
+                <a16:creationId xmlns:a16="http://schemas.microsoft.com/office/drawing/2014/main" id="{5BBC95F0-5EB9-440D-9B78-DB2A2A50A66B}"/>
+              </a:ext>
+            </a:extLst>
+          </p:cNvPr>
+          <p:cNvSpPr/>
+          <p:nvPr/>
+        </p:nvSpPr>
+        <p:spPr>
+          <a:xfrm>
+            <a:off x="3378282" y="3521296"/>
+            <a:ext cx="1811340" cy="444214"/>
+          </a:xfrm>
+          <a:prstGeom prst="wedgeRoundRectCallout">
+            <a:avLst>
+              <a:gd name="adj1" fmla="val 70859"/>
+              <a:gd name="adj2" fmla="val 25694"/>
+              <a:gd name="adj3" fmla="val 16667"/>
+            </a:avLst>
+          </a:prstGeom>
+          <a:solidFill>
+            <a:srgbClr val="FF0000"/>
+          </a:solidFill>
+        </p:spPr>
+        <p:style>
+          <a:lnRef idx="2">
+            <a:schemeClr val="accent1">
+              <a:shade val="50000"/>
+            </a:schemeClr>
+          </a:lnRef>
+          <a:fillRef idx="1">
+            <a:schemeClr val="accent1"/>
+          </a:fillRef>
+          <a:effectRef idx="0">
+            <a:schemeClr val="accent1"/>
+          </a:effectRef>
+          <a:fontRef idx="minor">
+            <a:schemeClr val="lt1"/>
+          </a:fontRef>
+        </p:style>
+        <p:txBody>
+          <a:bodyPr rtlCol="0" anchor="ctr"/>
+          <a:lstStyle/>
+          <a:p>
+            <a:pPr algn="ctr"/>
+            <a:r>
+              <a:rPr lang="en-ZA" sz="1200" b="1" dirty="0">
+                <a:solidFill>
+                  <a:srgbClr val="FFFF00"/>
+                </a:solidFill>
+              </a:rPr>
+              <a:t>Trenching or overhead cable support</a:t>
+            </a:r>
+          </a:p>
+        </p:txBody>
+      </p:sp>
+      <p:sp>
+        <p:nvSpPr>
+          <p:cNvPr id="87" name="Speech Bubble: Rectangle with Corners Rounded 86">
+            <a:extLst>
+              <a:ext uri="{FF2B5EF4-FFF2-40B4-BE49-F238E27FC236}">
+                <a16:creationId xmlns:a16="http://schemas.microsoft.com/office/drawing/2014/main" id="{498BE8DE-E27C-4F6A-9A0E-1B0AECAB1754}"/>
+              </a:ext>
+            </a:extLst>
+          </p:cNvPr>
+          <p:cNvSpPr/>
+          <p:nvPr/>
+        </p:nvSpPr>
+        <p:spPr>
+          <a:xfrm>
+            <a:off x="8855354" y="3973855"/>
+            <a:ext cx="1811340" cy="461664"/>
+          </a:xfrm>
+          <a:prstGeom prst="wedgeRoundRectCallout">
+            <a:avLst>
+              <a:gd name="adj1" fmla="val -65134"/>
+              <a:gd name="adj2" fmla="val -16837"/>
+              <a:gd name="adj3" fmla="val 16667"/>
+            </a:avLst>
+          </a:prstGeom>
+          <a:solidFill>
+            <a:srgbClr val="FF0000"/>
+          </a:solidFill>
+        </p:spPr>
+        <p:style>
+          <a:lnRef idx="2">
+            <a:schemeClr val="accent1">
+              <a:shade val="50000"/>
+            </a:schemeClr>
+          </a:lnRef>
+          <a:fillRef idx="1">
+            <a:schemeClr val="accent1"/>
+          </a:fillRef>
+          <a:effectRef idx="0">
+            <a:schemeClr val="accent1"/>
+          </a:effectRef>
+          <a:fontRef idx="minor">
+            <a:schemeClr val="lt1"/>
+          </a:fontRef>
+        </p:style>
+        <p:txBody>
+          <a:bodyPr rtlCol="0" anchor="ctr"/>
+          <a:lstStyle/>
+          <a:p>
+            <a:pPr algn="ctr"/>
+            <a:r>
+              <a:rPr lang="en-ZA" sz="1200" b="1" dirty="0">
+                <a:solidFill>
+                  <a:srgbClr val="FFFF00"/>
+                </a:solidFill>
+              </a:rPr>
+              <a:t>May require additional aircon &amp; UPS installation</a:t>
+            </a:r>
+          </a:p>
+        </p:txBody>
+      </p:sp>
+      <p:sp>
+        <p:nvSpPr>
+          <p:cNvPr id="89" name="Speech Bubble: Rectangle with Corners Rounded 88">
+            <a:extLst>
+              <a:ext uri="{FF2B5EF4-FFF2-40B4-BE49-F238E27FC236}">
+                <a16:creationId xmlns:a16="http://schemas.microsoft.com/office/drawing/2014/main" id="{8F52AD6E-C3BD-4B87-9FD5-DBF5BFAAAF53}"/>
+              </a:ext>
+            </a:extLst>
+          </p:cNvPr>
+          <p:cNvSpPr/>
+          <p:nvPr/>
+        </p:nvSpPr>
+        <p:spPr>
+          <a:xfrm>
+            <a:off x="7660431" y="4876092"/>
+            <a:ext cx="1557611" cy="461664"/>
+          </a:xfrm>
+          <a:prstGeom prst="wedgeRoundRectCallout">
+            <a:avLst>
+              <a:gd name="adj1" fmla="val 1317"/>
+              <a:gd name="adj2" fmla="val -168418"/>
+              <a:gd name="adj3" fmla="val 16667"/>
+            </a:avLst>
+          </a:prstGeom>
+          <a:solidFill>
+            <a:srgbClr val="FF0000"/>
+          </a:solidFill>
+        </p:spPr>
+        <p:style>
+          <a:lnRef idx="2">
+            <a:schemeClr val="accent1">
+              <a:shade val="50000"/>
+            </a:schemeClr>
+          </a:lnRef>
+          <a:fillRef idx="1">
+            <a:schemeClr val="accent1"/>
+          </a:fillRef>
+          <a:effectRef idx="0">
+            <a:schemeClr val="accent1"/>
+          </a:effectRef>
+          <a:fontRef idx="minor">
+            <a:schemeClr val="lt1"/>
+          </a:fontRef>
+        </p:style>
+        <p:txBody>
+          <a:bodyPr rtlCol="0" anchor="ctr"/>
+          <a:lstStyle/>
+          <a:p>
+            <a:pPr algn="ctr"/>
+            <a:r>
+              <a:rPr lang="en-ZA" sz="1200" b="1" dirty="0">
+                <a:solidFill>
+                  <a:srgbClr val="FFFF00"/>
+                </a:solidFill>
+              </a:rPr>
+              <a:t>Will require fibre network switch</a:t>
+            </a:r>
+          </a:p>
+        </p:txBody>
+      </p:sp>
+      <p:sp>
+        <p:nvSpPr>
+          <p:cNvPr id="90" name="Speech Bubble: Rectangle with Corners Rounded 89">
+            <a:extLst>
+              <a:ext uri="{FF2B5EF4-FFF2-40B4-BE49-F238E27FC236}">
+                <a16:creationId xmlns:a16="http://schemas.microsoft.com/office/drawing/2014/main" id="{D7341315-9F06-4CAD-BCE4-1BA953D76D2A}"/>
+              </a:ext>
+            </a:extLst>
+          </p:cNvPr>
+          <p:cNvSpPr/>
+          <p:nvPr/>
+        </p:nvSpPr>
+        <p:spPr>
+          <a:xfrm>
+            <a:off x="1611410" y="3256585"/>
+            <a:ext cx="1419834" cy="461664"/>
+          </a:xfrm>
+          <a:prstGeom prst="wedgeRoundRectCallout">
+            <a:avLst>
+              <a:gd name="adj1" fmla="val 37375"/>
+              <a:gd name="adj2" fmla="val -127997"/>
+              <a:gd name="adj3" fmla="val 16667"/>
+            </a:avLst>
+          </a:prstGeom>
+          <a:solidFill>
+            <a:srgbClr val="FF0000"/>
+          </a:solidFill>
+        </p:spPr>
+        <p:style>
+          <a:lnRef idx="2">
+            <a:schemeClr val="accent1">
+              <a:shade val="50000"/>
+            </a:schemeClr>
+          </a:lnRef>
+          <a:fillRef idx="1">
+            <a:schemeClr val="accent1"/>
+          </a:fillRef>
+          <a:effectRef idx="0">
+            <a:schemeClr val="accent1"/>
+          </a:effectRef>
+          <a:fontRef idx="minor">
+            <a:schemeClr val="lt1"/>
+          </a:fontRef>
+        </p:style>
+        <p:txBody>
+          <a:bodyPr rtlCol="0" anchor="ctr"/>
+          <a:lstStyle/>
+          <a:p>
+            <a:pPr algn="ctr"/>
+            <a:r>
+              <a:rPr lang="en-ZA" sz="1200" b="1" dirty="0">
+                <a:solidFill>
+                  <a:srgbClr val="FFFF00"/>
+                </a:solidFill>
+              </a:rPr>
+              <a:t>Will require fibre network switch</a:t>
+            </a:r>
+          </a:p>
+        </p:txBody>
+      </p:sp>
+    </p:spTree>
+    <p:extLst>
+      <p:ext uri="{BB962C8B-B14F-4D97-AF65-F5344CB8AC3E}">
+        <p14:creationId xmlns:p14="http://schemas.microsoft.com/office/powerpoint/2010/main" val="1120011468"/>
+      </p:ext>
+    </p:extLst>
+  </p:cSld>
+  <p:clrMapOvr>
+    <a:masterClrMapping/>
+  </p:clrMapOvr>
+</p:sld>
+</file>
+
+<file path=ppt/slides/slide2.xml><?xml version="1.0" encoding="utf-8"?>
+<p:sld xmlns:a="http://schemas.openxmlformats.org/drawingml/2006/main" xmlns:r="http://schemas.openxmlformats.org/officeDocument/2006/relationships" xmlns:p="http://schemas.openxmlformats.org/presentationml/2006/main">
+  <p:cSld>
+    <p:spTree>
+      <p:nvGrpSpPr>
+        <p:cNvPr id="1" name=""/>
+        <p:cNvGrpSpPr/>
+        <p:nvPr/>
+      </p:nvGrpSpPr>
+      <p:grpSpPr>
+        <a:xfrm>
+          <a:off x="0" y="0"/>
+          <a:ext cx="0" cy="0"/>
+          <a:chOff x="0" y="0"/>
+          <a:chExt cx="0" cy="0"/>
+        </a:xfrm>
+      </p:grpSpPr>
       <p:pic>
         <p:nvPicPr>
           <p:cNvPr id="41" name="Graphic 40" descr="Cloud">
@@ -5422,7 +7135,7 @@
 </p:sld>
 </file>
 
-<file path=ppt/slides/slide2.xml><?xml version="1.0" encoding="utf-8"?>
+<file path=ppt/slides/slide3.xml><?xml version="1.0" encoding="utf-8"?>
 <p:sld xmlns:a="http://schemas.openxmlformats.org/drawingml/2006/main" xmlns:r="http://schemas.openxmlformats.org/officeDocument/2006/relationships" xmlns:p="http://schemas.openxmlformats.org/presentationml/2006/main">
   <p:cSld>
     <p:spTree>
@@ -7171,7 +8884,7 @@
 </p:sld>
 </file>
 
-<file path=ppt/slides/slide3.xml><?xml version="1.0" encoding="utf-8"?>
+<file path=ppt/slides/slide4.xml><?xml version="1.0" encoding="utf-8"?>
 <p:sld xmlns:a="http://schemas.openxmlformats.org/drawingml/2006/main" xmlns:r="http://schemas.openxmlformats.org/officeDocument/2006/relationships" xmlns:p="http://schemas.openxmlformats.org/presentationml/2006/main">
   <p:cSld>
     <p:spTree>

--- a/Documentation/HardwareDR/ServerAndCommsV2.pptx
+++ b/Documentation/HardwareDR/ServerAndCommsV2.pptx
@@ -264,7 +264,7 @@
           <a:p>
             <a:fld id="{507C1A4B-A2B4-489A-80F7-993AC46C8FDB}" type="datetimeFigureOut">
               <a:rPr lang="en-ZA" smtClean="0"/>
-              <a:t>2018/11/27</a:t>
+              <a:t>2018/12/03</a:t>
             </a:fld>
             <a:endParaRPr lang="en-ZA"/>
           </a:p>
@@ -464,7 +464,7 @@
           <a:p>
             <a:fld id="{507C1A4B-A2B4-489A-80F7-993AC46C8FDB}" type="datetimeFigureOut">
               <a:rPr lang="en-ZA" smtClean="0"/>
-              <a:t>2018/11/27</a:t>
+              <a:t>2018/12/03</a:t>
             </a:fld>
             <a:endParaRPr lang="en-ZA"/>
           </a:p>
@@ -674,7 +674,7 @@
           <a:p>
             <a:fld id="{507C1A4B-A2B4-489A-80F7-993AC46C8FDB}" type="datetimeFigureOut">
               <a:rPr lang="en-ZA" smtClean="0"/>
-              <a:t>2018/11/27</a:t>
+              <a:t>2018/12/03</a:t>
             </a:fld>
             <a:endParaRPr lang="en-ZA"/>
           </a:p>
@@ -874,7 +874,7 @@
           <a:p>
             <a:fld id="{507C1A4B-A2B4-489A-80F7-993AC46C8FDB}" type="datetimeFigureOut">
               <a:rPr lang="en-ZA" smtClean="0"/>
-              <a:t>2018/11/27</a:t>
+              <a:t>2018/12/03</a:t>
             </a:fld>
             <a:endParaRPr lang="en-ZA"/>
           </a:p>
@@ -1150,7 +1150,7 @@
           <a:p>
             <a:fld id="{507C1A4B-A2B4-489A-80F7-993AC46C8FDB}" type="datetimeFigureOut">
               <a:rPr lang="en-ZA" smtClean="0"/>
-              <a:t>2018/11/27</a:t>
+              <a:t>2018/12/03</a:t>
             </a:fld>
             <a:endParaRPr lang="en-ZA"/>
           </a:p>
@@ -1418,7 +1418,7 @@
           <a:p>
             <a:fld id="{507C1A4B-A2B4-489A-80F7-993AC46C8FDB}" type="datetimeFigureOut">
               <a:rPr lang="en-ZA" smtClean="0"/>
-              <a:t>2018/11/27</a:t>
+              <a:t>2018/12/03</a:t>
             </a:fld>
             <a:endParaRPr lang="en-ZA"/>
           </a:p>
@@ -1833,7 +1833,7 @@
           <a:p>
             <a:fld id="{507C1A4B-A2B4-489A-80F7-993AC46C8FDB}" type="datetimeFigureOut">
               <a:rPr lang="en-ZA" smtClean="0"/>
-              <a:t>2018/11/27</a:t>
+              <a:t>2018/12/03</a:t>
             </a:fld>
             <a:endParaRPr lang="en-ZA"/>
           </a:p>
@@ -1975,7 +1975,7 @@
           <a:p>
             <a:fld id="{507C1A4B-A2B4-489A-80F7-993AC46C8FDB}" type="datetimeFigureOut">
               <a:rPr lang="en-ZA" smtClean="0"/>
-              <a:t>2018/11/27</a:t>
+              <a:t>2018/12/03</a:t>
             </a:fld>
             <a:endParaRPr lang="en-ZA"/>
           </a:p>
@@ -2088,7 +2088,7 @@
           <a:p>
             <a:fld id="{507C1A4B-A2B4-489A-80F7-993AC46C8FDB}" type="datetimeFigureOut">
               <a:rPr lang="en-ZA" smtClean="0"/>
-              <a:t>2018/11/27</a:t>
+              <a:t>2018/12/03</a:t>
             </a:fld>
             <a:endParaRPr lang="en-ZA"/>
           </a:p>
@@ -2401,7 +2401,7 @@
           <a:p>
             <a:fld id="{507C1A4B-A2B4-489A-80F7-993AC46C8FDB}" type="datetimeFigureOut">
               <a:rPr lang="en-ZA" smtClean="0"/>
-              <a:t>2018/11/27</a:t>
+              <a:t>2018/12/03</a:t>
             </a:fld>
             <a:endParaRPr lang="en-ZA"/>
           </a:p>
@@ -2690,7 +2690,7 @@
           <a:p>
             <a:fld id="{507C1A4B-A2B4-489A-80F7-993AC46C8FDB}" type="datetimeFigureOut">
               <a:rPr lang="en-ZA" smtClean="0"/>
-              <a:t>2018/11/27</a:t>
+              <a:t>2018/12/03</a:t>
             </a:fld>
             <a:endParaRPr lang="en-ZA"/>
           </a:p>
@@ -2933,7 +2933,7 @@
           <a:p>
             <a:fld id="{507C1A4B-A2B4-489A-80F7-993AC46C8FDB}" type="datetimeFigureOut">
               <a:rPr lang="en-ZA" smtClean="0"/>
-              <a:t>2018/11/27</a:t>
+              <a:t>2018/12/03</a:t>
             </a:fld>
             <a:endParaRPr lang="en-ZA"/>
           </a:p>
@@ -3350,6 +3350,48 @@
           <a:chExt cx="0" cy="0"/>
         </a:xfrm>
       </p:grpSpPr>
+      <p:cxnSp>
+        <p:nvCxnSpPr>
+          <p:cNvPr id="23" name="Straight Arrow Connector 22">
+            <a:extLst>
+              <a:ext uri="{FF2B5EF4-FFF2-40B4-BE49-F238E27FC236}">
+                <a16:creationId xmlns:a16="http://schemas.microsoft.com/office/drawing/2014/main" id="{9891E9C3-BE3F-44B9-992C-B593565FD9D6}"/>
+              </a:ext>
+            </a:extLst>
+          </p:cNvPr>
+          <p:cNvCxnSpPr>
+            <a:cxnSpLocks/>
+          </p:cNvCxnSpPr>
+          <p:nvPr/>
+        </p:nvCxnSpPr>
+        <p:spPr>
+          <a:xfrm flipH="1">
+            <a:off x="8723144" y="1662423"/>
+            <a:ext cx="1004157" cy="2078589"/>
+          </a:xfrm>
+          <a:prstGeom prst="straightConnector1">
+            <a:avLst/>
+          </a:prstGeom>
+          <a:ln>
+            <a:headEnd type="triangle"/>
+            <a:tailEnd type="triangle"/>
+          </a:ln>
+        </p:spPr>
+        <p:style>
+          <a:lnRef idx="1">
+            <a:schemeClr val="accent1"/>
+          </a:lnRef>
+          <a:fillRef idx="0">
+            <a:schemeClr val="accent1"/>
+          </a:fillRef>
+          <a:effectRef idx="0">
+            <a:schemeClr val="accent1"/>
+          </a:effectRef>
+          <a:fontRef idx="minor">
+            <a:schemeClr val="tx1"/>
+          </a:fontRef>
+        </p:style>
+      </p:cxnSp>
       <p:sp>
         <p:nvSpPr>
           <p:cNvPr id="32" name="Rectangle 31">
@@ -5027,6 +5069,175 @@
           </a:p>
         </p:txBody>
       </p:sp>
+      <p:cxnSp>
+        <p:nvCxnSpPr>
+          <p:cNvPr id="6" name="Straight Arrow Connector 5">
+            <a:extLst>
+              <a:ext uri="{FF2B5EF4-FFF2-40B4-BE49-F238E27FC236}">
+                <a16:creationId xmlns:a16="http://schemas.microsoft.com/office/drawing/2014/main" id="{B3CDD94F-7444-46B6-B703-65E85F46B49C}"/>
+              </a:ext>
+            </a:extLst>
+          </p:cNvPr>
+          <p:cNvCxnSpPr>
+            <a:cxnSpLocks/>
+            <a:stCxn id="22" idx="2"/>
+          </p:cNvCxnSpPr>
+          <p:nvPr/>
+        </p:nvCxnSpPr>
+        <p:spPr>
+          <a:xfrm>
+            <a:off x="1282820" y="1543506"/>
+            <a:ext cx="1159934" cy="1146743"/>
+          </a:xfrm>
+          <a:prstGeom prst="straightConnector1">
+            <a:avLst/>
+          </a:prstGeom>
+          <a:ln>
+            <a:headEnd type="triangle"/>
+            <a:tailEnd type="triangle"/>
+          </a:ln>
+        </p:spPr>
+        <p:style>
+          <a:lnRef idx="1">
+            <a:schemeClr val="accent1"/>
+          </a:lnRef>
+          <a:fillRef idx="0">
+            <a:schemeClr val="accent1"/>
+          </a:fillRef>
+          <a:effectRef idx="0">
+            <a:schemeClr val="accent1"/>
+          </a:effectRef>
+          <a:fontRef idx="minor">
+            <a:schemeClr val="tx1"/>
+          </a:fontRef>
+        </p:style>
+      </p:cxnSp>
+      <p:sp>
+        <p:nvSpPr>
+          <p:cNvPr id="22" name="Speech Bubble: Rectangle with Corners Rounded 21">
+            <a:extLst>
+              <a:ext uri="{FF2B5EF4-FFF2-40B4-BE49-F238E27FC236}">
+                <a16:creationId xmlns:a16="http://schemas.microsoft.com/office/drawing/2014/main" id="{D2BBDD8F-F156-4EBC-8C1F-DA9AF063CC98}"/>
+              </a:ext>
+            </a:extLst>
+          </p:cNvPr>
+          <p:cNvSpPr/>
+          <p:nvPr/>
+        </p:nvSpPr>
+        <p:spPr>
+          <a:xfrm>
+            <a:off x="224736" y="1215846"/>
+            <a:ext cx="2116167" cy="327660"/>
+          </a:xfrm>
+          <a:prstGeom prst="wedgeRoundRectCallout">
+            <a:avLst>
+              <a:gd name="adj1" fmla="val -24167"/>
+              <a:gd name="adj2" fmla="val 36876"/>
+              <a:gd name="adj3" fmla="val 16667"/>
+            </a:avLst>
+          </a:prstGeom>
+          <a:solidFill>
+            <a:schemeClr val="accent4">
+              <a:lumMod val="40000"/>
+              <a:lumOff val="60000"/>
+            </a:schemeClr>
+          </a:solidFill>
+        </p:spPr>
+        <p:style>
+          <a:lnRef idx="2">
+            <a:schemeClr val="accent1">
+              <a:shade val="50000"/>
+            </a:schemeClr>
+          </a:lnRef>
+          <a:fillRef idx="1">
+            <a:schemeClr val="accent1"/>
+          </a:fillRef>
+          <a:effectRef idx="0">
+            <a:schemeClr val="accent1"/>
+          </a:effectRef>
+          <a:fontRef idx="minor">
+            <a:schemeClr val="lt1"/>
+          </a:fontRef>
+        </p:style>
+        <p:txBody>
+          <a:bodyPr rtlCol="0" anchor="ctr"/>
+          <a:lstStyle/>
+          <a:p>
+            <a:pPr algn="ctr"/>
+            <a:r>
+              <a:rPr lang="en-ZA" sz="1200" b="1" dirty="0">
+                <a:solidFill>
+                  <a:srgbClr val="0070C0"/>
+                </a:solidFill>
+              </a:rPr>
+              <a:t>MOTUS</a:t>
+            </a:r>
+          </a:p>
+        </p:txBody>
+      </p:sp>
+      <p:sp>
+        <p:nvSpPr>
+          <p:cNvPr id="24" name="Speech Bubble: Rectangle with Corners Rounded 23">
+            <a:extLst>
+              <a:ext uri="{FF2B5EF4-FFF2-40B4-BE49-F238E27FC236}">
+                <a16:creationId xmlns:a16="http://schemas.microsoft.com/office/drawing/2014/main" id="{3089D4A2-4059-4C75-8B1A-3E7C380336D9}"/>
+              </a:ext>
+            </a:extLst>
+          </p:cNvPr>
+          <p:cNvSpPr/>
+          <p:nvPr/>
+        </p:nvSpPr>
+        <p:spPr>
+          <a:xfrm>
+            <a:off x="8964072" y="1334663"/>
+            <a:ext cx="2116167" cy="327660"/>
+          </a:xfrm>
+          <a:prstGeom prst="wedgeRoundRectCallout">
+            <a:avLst>
+              <a:gd name="adj1" fmla="val -24167"/>
+              <a:gd name="adj2" fmla="val 36876"/>
+              <a:gd name="adj3" fmla="val 16667"/>
+            </a:avLst>
+          </a:prstGeom>
+          <a:solidFill>
+            <a:schemeClr val="accent4">
+              <a:lumMod val="40000"/>
+              <a:lumOff val="60000"/>
+            </a:schemeClr>
+          </a:solidFill>
+        </p:spPr>
+        <p:style>
+          <a:lnRef idx="2">
+            <a:schemeClr val="accent1">
+              <a:shade val="50000"/>
+            </a:schemeClr>
+          </a:lnRef>
+          <a:fillRef idx="1">
+            <a:schemeClr val="accent1"/>
+          </a:fillRef>
+          <a:effectRef idx="0">
+            <a:schemeClr val="accent1"/>
+          </a:effectRef>
+          <a:fontRef idx="minor">
+            <a:schemeClr val="lt1"/>
+          </a:fontRef>
+        </p:style>
+        <p:txBody>
+          <a:bodyPr rtlCol="0" anchor="ctr"/>
+          <a:lstStyle/>
+          <a:p>
+            <a:pPr algn="ctr"/>
+            <a:r>
+              <a:rPr lang="en-ZA" sz="1200" b="1" dirty="0">
+                <a:solidFill>
+                  <a:srgbClr val="0070C0"/>
+                </a:solidFill>
+              </a:rPr>
+              <a:t>MOTUS</a:t>
+            </a:r>
+          </a:p>
+        </p:txBody>
+      </p:sp>
     </p:spTree>
     <p:extLst>
       <p:ext uri="{BB962C8B-B14F-4D97-AF65-F5344CB8AC3E}">
